--- a/CalendarioAgo2022/presentaciones/6_Funciones.pptx
+++ b/CalendarioAgo2022/presentaciones/6_Funciones.pptx
@@ -231,7 +231,7 @@
           <a:p>
             <a:fld id="{DDE721D5-655F-45D2-B717-3C4CD78C8568}" type="datetimeFigureOut">
               <a:rPr lang="es-MX" smtClean="0"/>
-              <a:t>24/02/2022</a:t>
+              <a:t>13/07/2022</a:t>
             </a:fld>
             <a:endParaRPr lang="es-MX" dirty="0"/>
           </a:p>
@@ -1268,7 +1268,7 @@
           <a:p>
             <a:fld id="{B3F3E716-CACC-4490-AD07-F24B6A68DE47}" type="datetimeFigureOut">
               <a:rPr lang="es-MX" smtClean="0"/>
-              <a:t>24/02/2022</a:t>
+              <a:t>13/07/2022</a:t>
             </a:fld>
             <a:endParaRPr lang="es-MX" dirty="0"/>
           </a:p>
@@ -1438,7 +1438,7 @@
           <a:p>
             <a:fld id="{B3F3E716-CACC-4490-AD07-F24B6A68DE47}" type="datetimeFigureOut">
               <a:rPr lang="es-MX" smtClean="0"/>
-              <a:t>24/02/2022</a:t>
+              <a:t>13/07/2022</a:t>
             </a:fld>
             <a:endParaRPr lang="es-MX" dirty="0"/>
           </a:p>
@@ -1618,7 +1618,7 @@
           <a:p>
             <a:fld id="{B3F3E716-CACC-4490-AD07-F24B6A68DE47}" type="datetimeFigureOut">
               <a:rPr lang="es-MX" smtClean="0"/>
-              <a:t>24/02/2022</a:t>
+              <a:t>13/07/2022</a:t>
             </a:fld>
             <a:endParaRPr lang="es-MX" dirty="0"/>
           </a:p>
@@ -1771,7 +1771,7 @@
           <a:p>
             <a:fld id="{1D8BD707-D9CF-40AE-B4C6-C98DA3205C09}" type="datetimeFigureOut">
               <a:rPr lang="en-US" smtClean="0"/>
-              <a:t>2/24/2022</a:t>
+              <a:t>7/13/2022</a:t>
             </a:fld>
             <a:endParaRPr lang="en-US" dirty="0"/>
           </a:p>
@@ -1931,7 +1931,7 @@
           <a:p>
             <a:fld id="{B3F3E716-CACC-4490-AD07-F24B6A68DE47}" type="datetimeFigureOut">
               <a:rPr lang="es-MX" smtClean="0"/>
-              <a:t>24/02/2022</a:t>
+              <a:t>13/07/2022</a:t>
             </a:fld>
             <a:endParaRPr lang="es-MX" dirty="0"/>
           </a:p>
@@ -2177,7 +2177,7 @@
           <a:p>
             <a:fld id="{B3F3E716-CACC-4490-AD07-F24B6A68DE47}" type="datetimeFigureOut">
               <a:rPr lang="es-MX" smtClean="0"/>
-              <a:t>24/02/2022</a:t>
+              <a:t>13/07/2022</a:t>
             </a:fld>
             <a:endParaRPr lang="es-MX" dirty="0"/>
           </a:p>
@@ -2465,7 +2465,7 @@
           <a:p>
             <a:fld id="{B3F3E716-CACC-4490-AD07-F24B6A68DE47}" type="datetimeFigureOut">
               <a:rPr lang="es-MX" smtClean="0"/>
-              <a:t>24/02/2022</a:t>
+              <a:t>13/07/2022</a:t>
             </a:fld>
             <a:endParaRPr lang="es-MX" dirty="0"/>
           </a:p>
@@ -2887,7 +2887,7 @@
           <a:p>
             <a:fld id="{B3F3E716-CACC-4490-AD07-F24B6A68DE47}" type="datetimeFigureOut">
               <a:rPr lang="es-MX" smtClean="0"/>
-              <a:t>24/02/2022</a:t>
+              <a:t>13/07/2022</a:t>
             </a:fld>
             <a:endParaRPr lang="es-MX" dirty="0"/>
           </a:p>
@@ -3005,7 +3005,7 @@
           <a:p>
             <a:fld id="{B3F3E716-CACC-4490-AD07-F24B6A68DE47}" type="datetimeFigureOut">
               <a:rPr lang="es-MX" smtClean="0"/>
-              <a:t>24/02/2022</a:t>
+              <a:t>13/07/2022</a:t>
             </a:fld>
             <a:endParaRPr lang="es-MX" dirty="0"/>
           </a:p>
@@ -3100,7 +3100,7 @@
           <a:p>
             <a:fld id="{B3F3E716-CACC-4490-AD07-F24B6A68DE47}" type="datetimeFigureOut">
               <a:rPr lang="es-MX" smtClean="0"/>
-              <a:t>24/02/2022</a:t>
+              <a:t>13/07/2022</a:t>
             </a:fld>
             <a:endParaRPr lang="es-MX" dirty="0"/>
           </a:p>
@@ -3377,7 +3377,7 @@
           <a:p>
             <a:fld id="{B3F3E716-CACC-4490-AD07-F24B6A68DE47}" type="datetimeFigureOut">
               <a:rPr lang="es-MX" smtClean="0"/>
-              <a:t>24/02/2022</a:t>
+              <a:t>13/07/2022</a:t>
             </a:fld>
             <a:endParaRPr lang="es-MX" dirty="0"/>
           </a:p>
@@ -3630,7 +3630,7 @@
           <a:p>
             <a:fld id="{B3F3E716-CACC-4490-AD07-F24B6A68DE47}" type="datetimeFigureOut">
               <a:rPr lang="es-MX" smtClean="0"/>
-              <a:t>24/02/2022</a:t>
+              <a:t>13/07/2022</a:t>
             </a:fld>
             <a:endParaRPr lang="es-MX" dirty="0"/>
           </a:p>
@@ -3843,7 +3843,7 @@
           <a:p>
             <a:fld id="{B3F3E716-CACC-4490-AD07-F24B6A68DE47}" type="datetimeFigureOut">
               <a:rPr lang="es-MX" smtClean="0"/>
-              <a:t>24/02/2022</a:t>
+              <a:t>13/07/2022</a:t>
             </a:fld>
             <a:endParaRPr lang="es-MX" dirty="0"/>
           </a:p>
@@ -4232,7 +4232,7 @@
         <p:spPr>
           <a:xfrm>
             <a:off x="1006630" y="404664"/>
-            <a:ext cx="7342584" cy="1470025"/>
+            <a:ext cx="7669826" cy="1470025"/>
           </a:xfrm>
         </p:spPr>
         <p:txBody>
@@ -4255,18 +4255,19 @@
                   </a:schemeClr>
                 </a:solidFill>
               </a:rPr>
-              <a:t>TC1028 </a:t>
-            </a:r>
-            <a:br>
-              <a:rPr lang="es-MX" sz="3200" dirty="0">
+              <a:t>TI </a:t>
+            </a:r>
+            <a:r>
+              <a:rPr lang="es-MX" sz="3200">
                 <a:solidFill>
                   <a:schemeClr val="bg2">
                     <a:lumMod val="50000"/>
                   </a:schemeClr>
                 </a:solidFill>
               </a:rPr>
-            </a:br>
-            <a:r>
+              <a:t>3001 C</a:t>
+            </a:r>
+            <a:br>
               <a:rPr lang="es-MX" sz="3200" dirty="0">
                 <a:solidFill>
                   <a:schemeClr val="bg2">
@@ -4274,7 +4275,16 @@
                   </a:schemeClr>
                 </a:solidFill>
               </a:rPr>
-              <a:t>Pensamiento Computacional para Ingeniería</a:t>
+            </a:br>
+            <a:r>
+              <a:rPr lang="es-MX" sz="3200" dirty="0">
+                <a:solidFill>
+                  <a:schemeClr val="bg2">
+                    <a:lumMod val="50000"/>
+                  </a:schemeClr>
+                </a:solidFill>
+              </a:rPr>
+              <a:t>Analítica de datos y herramientas de inteligencia artificial</a:t>
             </a:r>
           </a:p>
         </p:txBody>
@@ -4315,7 +4325,7 @@
                   </a:schemeClr>
                 </a:solidFill>
               </a:rPr>
-              <a:t>Funciones</a:t>
+              <a:t>Python orientado a objetos</a:t>
             </a:r>
           </a:p>
           <a:p>

--- a/CalendarioAgo2022/presentaciones/6_Funciones.pptx
+++ b/CalendarioAgo2022/presentaciones/6_Funciones.pptx
@@ -231,7 +231,7 @@
           <a:p>
             <a:fld id="{DDE721D5-655F-45D2-B717-3C4CD78C8568}" type="datetimeFigureOut">
               <a:rPr lang="es-MX" smtClean="0"/>
-              <a:t>13/07/2022</a:t>
+              <a:t>17/08/2022</a:t>
             </a:fld>
             <a:endParaRPr lang="es-MX" dirty="0"/>
           </a:p>
@@ -1268,7 +1268,7 @@
           <a:p>
             <a:fld id="{B3F3E716-CACC-4490-AD07-F24B6A68DE47}" type="datetimeFigureOut">
               <a:rPr lang="es-MX" smtClean="0"/>
-              <a:t>13/07/2022</a:t>
+              <a:t>17/08/2022</a:t>
             </a:fld>
             <a:endParaRPr lang="es-MX" dirty="0"/>
           </a:p>
@@ -1438,7 +1438,7 @@
           <a:p>
             <a:fld id="{B3F3E716-CACC-4490-AD07-F24B6A68DE47}" type="datetimeFigureOut">
               <a:rPr lang="es-MX" smtClean="0"/>
-              <a:t>13/07/2022</a:t>
+              <a:t>17/08/2022</a:t>
             </a:fld>
             <a:endParaRPr lang="es-MX" dirty="0"/>
           </a:p>
@@ -1618,7 +1618,7 @@
           <a:p>
             <a:fld id="{B3F3E716-CACC-4490-AD07-F24B6A68DE47}" type="datetimeFigureOut">
               <a:rPr lang="es-MX" smtClean="0"/>
-              <a:t>13/07/2022</a:t>
+              <a:t>17/08/2022</a:t>
             </a:fld>
             <a:endParaRPr lang="es-MX" dirty="0"/>
           </a:p>
@@ -1771,7 +1771,7 @@
           <a:p>
             <a:fld id="{1D8BD707-D9CF-40AE-B4C6-C98DA3205C09}" type="datetimeFigureOut">
               <a:rPr lang="en-US" smtClean="0"/>
-              <a:t>7/13/2022</a:t>
+              <a:t>8/17/2022</a:t>
             </a:fld>
             <a:endParaRPr lang="en-US" dirty="0"/>
           </a:p>
@@ -1931,7 +1931,7 @@
           <a:p>
             <a:fld id="{B3F3E716-CACC-4490-AD07-F24B6A68DE47}" type="datetimeFigureOut">
               <a:rPr lang="es-MX" smtClean="0"/>
-              <a:t>13/07/2022</a:t>
+              <a:t>17/08/2022</a:t>
             </a:fld>
             <a:endParaRPr lang="es-MX" dirty="0"/>
           </a:p>
@@ -2177,7 +2177,7 @@
           <a:p>
             <a:fld id="{B3F3E716-CACC-4490-AD07-F24B6A68DE47}" type="datetimeFigureOut">
               <a:rPr lang="es-MX" smtClean="0"/>
-              <a:t>13/07/2022</a:t>
+              <a:t>17/08/2022</a:t>
             </a:fld>
             <a:endParaRPr lang="es-MX" dirty="0"/>
           </a:p>
@@ -2465,7 +2465,7 @@
           <a:p>
             <a:fld id="{B3F3E716-CACC-4490-AD07-F24B6A68DE47}" type="datetimeFigureOut">
               <a:rPr lang="es-MX" smtClean="0"/>
-              <a:t>13/07/2022</a:t>
+              <a:t>17/08/2022</a:t>
             </a:fld>
             <a:endParaRPr lang="es-MX" dirty="0"/>
           </a:p>
@@ -2887,7 +2887,7 @@
           <a:p>
             <a:fld id="{B3F3E716-CACC-4490-AD07-F24B6A68DE47}" type="datetimeFigureOut">
               <a:rPr lang="es-MX" smtClean="0"/>
-              <a:t>13/07/2022</a:t>
+              <a:t>17/08/2022</a:t>
             </a:fld>
             <a:endParaRPr lang="es-MX" dirty="0"/>
           </a:p>
@@ -3005,7 +3005,7 @@
           <a:p>
             <a:fld id="{B3F3E716-CACC-4490-AD07-F24B6A68DE47}" type="datetimeFigureOut">
               <a:rPr lang="es-MX" smtClean="0"/>
-              <a:t>13/07/2022</a:t>
+              <a:t>17/08/2022</a:t>
             </a:fld>
             <a:endParaRPr lang="es-MX" dirty="0"/>
           </a:p>
@@ -3100,7 +3100,7 @@
           <a:p>
             <a:fld id="{B3F3E716-CACC-4490-AD07-F24B6A68DE47}" type="datetimeFigureOut">
               <a:rPr lang="es-MX" smtClean="0"/>
-              <a:t>13/07/2022</a:t>
+              <a:t>17/08/2022</a:t>
             </a:fld>
             <a:endParaRPr lang="es-MX" dirty="0"/>
           </a:p>
@@ -3377,7 +3377,7 @@
           <a:p>
             <a:fld id="{B3F3E716-CACC-4490-AD07-F24B6A68DE47}" type="datetimeFigureOut">
               <a:rPr lang="es-MX" smtClean="0"/>
-              <a:t>13/07/2022</a:t>
+              <a:t>17/08/2022</a:t>
             </a:fld>
             <a:endParaRPr lang="es-MX" dirty="0"/>
           </a:p>
@@ -3630,7 +3630,7 @@
           <a:p>
             <a:fld id="{B3F3E716-CACC-4490-AD07-F24B6A68DE47}" type="datetimeFigureOut">
               <a:rPr lang="es-MX" smtClean="0"/>
-              <a:t>13/07/2022</a:t>
+              <a:t>17/08/2022</a:t>
             </a:fld>
             <a:endParaRPr lang="es-MX" dirty="0"/>
           </a:p>
@@ -3843,7 +3843,7 @@
           <a:p>
             <a:fld id="{B3F3E716-CACC-4490-AD07-F24B6A68DE47}" type="datetimeFigureOut">
               <a:rPr lang="es-MX" smtClean="0"/>
-              <a:t>13/07/2022</a:t>
+              <a:t>17/08/2022</a:t>
             </a:fld>
             <a:endParaRPr lang="es-MX" dirty="0"/>
           </a:p>
@@ -4237,7 +4237,7 @@
         </p:spPr>
         <p:txBody>
           <a:bodyPr rtlCol="0">
-            <a:normAutofit fontScale="90000"/>
+            <a:normAutofit/>
           </a:bodyPr>
           <a:lstStyle/>
           <a:p>
@@ -4255,19 +4255,18 @@
                   </a:schemeClr>
                 </a:solidFill>
               </a:rPr>
-              <a:t>TI </a:t>
-            </a:r>
-            <a:r>
-              <a:rPr lang="es-MX" sz="3200">
+              <a:t>TC 1028</a:t>
+            </a:r>
+            <a:br>
+              <a:rPr lang="es-MX" sz="3200" dirty="0">
                 <a:solidFill>
                   <a:schemeClr val="bg2">
                     <a:lumMod val="50000"/>
                   </a:schemeClr>
                 </a:solidFill>
               </a:rPr>
-              <a:t>3001 C</a:t>
-            </a:r>
-            <a:br>
+            </a:br>
+            <a:r>
               <a:rPr lang="es-MX" sz="3200" dirty="0">
                 <a:solidFill>
                   <a:schemeClr val="bg2">
@@ -4275,17 +4274,25 @@
                   </a:schemeClr>
                 </a:solidFill>
               </a:rPr>
-            </a:br>
-            <a:r>
-              <a:rPr lang="es-MX" sz="3200" dirty="0">
+              <a:t>Pensamiento computacional </a:t>
+            </a:r>
+            <a:r>
+              <a:rPr lang="es-MX" sz="3200">
                 <a:solidFill>
                   <a:schemeClr val="bg2">
                     <a:lumMod val="50000"/>
                   </a:schemeClr>
                 </a:solidFill>
               </a:rPr>
-              <a:t>Analítica de datos y herramientas de inteligencia artificial</a:t>
-            </a:r>
+              <a:t>para ingeniería</a:t>
+            </a:r>
+            <a:endParaRPr lang="es-MX" sz="3200" dirty="0">
+              <a:solidFill>
+                <a:schemeClr val="bg2">
+                  <a:lumMod val="50000"/>
+                </a:schemeClr>
+              </a:solidFill>
+            </a:endParaRPr>
           </a:p>
         </p:txBody>
       </p:sp>
@@ -4325,7 +4332,7 @@
                   </a:schemeClr>
                 </a:solidFill>
               </a:rPr>
-              <a:t>Python orientado a objetos</a:t>
+              <a:t>Funciones</a:t>
             </a:r>
           </a:p>
           <a:p>
